--- a/01. Internet/01. Les bases/03_Internet_CSS_LesBases.pptx
+++ b/01. Internet/01. Les bases/03_Internet_CSS_LesBases.pptx
@@ -2,89 +2,89 @@
 <file path=ppt/presentation.xml><?xml version="1.0" encoding="utf-8"?>
 <p:presentation xmlns:a="http://schemas.openxmlformats.org/drawingml/2006/main" xmlns:r="http://schemas.openxmlformats.org/officeDocument/2006/relationships" xmlns:p="http://schemas.openxmlformats.org/presentationml/2006/main" saveSubsetFonts="1">
   <p:sldMasterIdLst>
-    <p:sldMasterId id="2147483673" r:id="rId1"/>
+    <p:sldMasterId id="2147483673" r:id="rId4"/>
   </p:sldMasterIdLst>
   <p:notesMasterIdLst>
-    <p:notesMasterId r:id="rId76"/>
+    <p:notesMasterId r:id="rId79"/>
   </p:notesMasterIdLst>
   <p:handoutMasterIdLst>
-    <p:handoutMasterId r:id="rId77"/>
+    <p:handoutMasterId r:id="rId80"/>
   </p:handoutMasterIdLst>
   <p:sldIdLst>
-    <p:sldId id="304" r:id="rId2"/>
-    <p:sldId id="356" r:id="rId3"/>
-    <p:sldId id="397" r:id="rId4"/>
-    <p:sldId id="398" r:id="rId5"/>
-    <p:sldId id="399" r:id="rId6"/>
-    <p:sldId id="401" r:id="rId7"/>
-    <p:sldId id="402" r:id="rId8"/>
-    <p:sldId id="408" r:id="rId9"/>
-    <p:sldId id="403" r:id="rId10"/>
-    <p:sldId id="421" r:id="rId11"/>
-    <p:sldId id="409" r:id="rId12"/>
-    <p:sldId id="422" r:id="rId13"/>
-    <p:sldId id="270" r:id="rId14"/>
-    <p:sldId id="457" r:id="rId15"/>
-    <p:sldId id="423" r:id="rId16"/>
-    <p:sldId id="258" r:id="rId17"/>
-    <p:sldId id="411" r:id="rId18"/>
-    <p:sldId id="424" r:id="rId19"/>
-    <p:sldId id="425" r:id="rId20"/>
-    <p:sldId id="261" r:id="rId21"/>
-    <p:sldId id="263" r:id="rId22"/>
-    <p:sldId id="264" r:id="rId23"/>
-    <p:sldId id="428" r:id="rId24"/>
-    <p:sldId id="275" r:id="rId25"/>
-    <p:sldId id="426" r:id="rId26"/>
-    <p:sldId id="268" r:id="rId27"/>
-    <p:sldId id="412" r:id="rId28"/>
-    <p:sldId id="427" r:id="rId29"/>
-    <p:sldId id="429" r:id="rId30"/>
-    <p:sldId id="413" r:id="rId31"/>
-    <p:sldId id="414" r:id="rId32"/>
-    <p:sldId id="420" r:id="rId33"/>
-    <p:sldId id="415" r:id="rId34"/>
-    <p:sldId id="416" r:id="rId35"/>
-    <p:sldId id="417" r:id="rId36"/>
-    <p:sldId id="418" r:id="rId37"/>
-    <p:sldId id="419" r:id="rId38"/>
-    <p:sldId id="430" r:id="rId39"/>
-    <p:sldId id="431" r:id="rId40"/>
-    <p:sldId id="460" r:id="rId41"/>
-    <p:sldId id="435" r:id="rId42"/>
-    <p:sldId id="432" r:id="rId43"/>
-    <p:sldId id="448" r:id="rId44"/>
-    <p:sldId id="433" r:id="rId45"/>
-    <p:sldId id="434" r:id="rId46"/>
-    <p:sldId id="449" r:id="rId47"/>
-    <p:sldId id="262" r:id="rId48"/>
-    <p:sldId id="265" r:id="rId49"/>
-    <p:sldId id="471" r:id="rId50"/>
-    <p:sldId id="461" r:id="rId51"/>
-    <p:sldId id="462" r:id="rId52"/>
-    <p:sldId id="473" r:id="rId53"/>
-    <p:sldId id="474" r:id="rId54"/>
-    <p:sldId id="450" r:id="rId55"/>
-    <p:sldId id="472" r:id="rId56"/>
-    <p:sldId id="475" r:id="rId57"/>
-    <p:sldId id="476" r:id="rId58"/>
-    <p:sldId id="272" r:id="rId59"/>
-    <p:sldId id="452" r:id="rId60"/>
-    <p:sldId id="436" r:id="rId61"/>
-    <p:sldId id="438" r:id="rId62"/>
-    <p:sldId id="451" r:id="rId63"/>
-    <p:sldId id="439" r:id="rId64"/>
-    <p:sldId id="271" r:id="rId65"/>
-    <p:sldId id="440" r:id="rId66"/>
-    <p:sldId id="273" r:id="rId67"/>
-    <p:sldId id="274" r:id="rId68"/>
-    <p:sldId id="441" r:id="rId69"/>
-    <p:sldId id="458" r:id="rId70"/>
-    <p:sldId id="447" r:id="rId71"/>
-    <p:sldId id="453" r:id="rId72"/>
-    <p:sldId id="454" r:id="rId73"/>
-    <p:sldId id="456" r:id="rId74"/>
-    <p:sldId id="459" r:id="rId75"/>
+    <p:sldId id="304" r:id="rId5"/>
+    <p:sldId id="356" r:id="rId6"/>
+    <p:sldId id="397" r:id="rId7"/>
+    <p:sldId id="398" r:id="rId8"/>
+    <p:sldId id="399" r:id="rId9"/>
+    <p:sldId id="401" r:id="rId10"/>
+    <p:sldId id="402" r:id="rId11"/>
+    <p:sldId id="408" r:id="rId12"/>
+    <p:sldId id="403" r:id="rId13"/>
+    <p:sldId id="421" r:id="rId14"/>
+    <p:sldId id="409" r:id="rId15"/>
+    <p:sldId id="422" r:id="rId16"/>
+    <p:sldId id="270" r:id="rId17"/>
+    <p:sldId id="457" r:id="rId18"/>
+    <p:sldId id="423" r:id="rId19"/>
+    <p:sldId id="258" r:id="rId20"/>
+    <p:sldId id="411" r:id="rId21"/>
+    <p:sldId id="424" r:id="rId22"/>
+    <p:sldId id="425" r:id="rId23"/>
+    <p:sldId id="261" r:id="rId24"/>
+    <p:sldId id="263" r:id="rId25"/>
+    <p:sldId id="264" r:id="rId26"/>
+    <p:sldId id="428" r:id="rId27"/>
+    <p:sldId id="275" r:id="rId28"/>
+    <p:sldId id="426" r:id="rId29"/>
+    <p:sldId id="268" r:id="rId30"/>
+    <p:sldId id="412" r:id="rId31"/>
+    <p:sldId id="427" r:id="rId32"/>
+    <p:sldId id="429" r:id="rId33"/>
+    <p:sldId id="413" r:id="rId34"/>
+    <p:sldId id="414" r:id="rId35"/>
+    <p:sldId id="420" r:id="rId36"/>
+    <p:sldId id="415" r:id="rId37"/>
+    <p:sldId id="416" r:id="rId38"/>
+    <p:sldId id="417" r:id="rId39"/>
+    <p:sldId id="418" r:id="rId40"/>
+    <p:sldId id="419" r:id="rId41"/>
+    <p:sldId id="430" r:id="rId42"/>
+    <p:sldId id="431" r:id="rId43"/>
+    <p:sldId id="460" r:id="rId44"/>
+    <p:sldId id="435" r:id="rId45"/>
+    <p:sldId id="432" r:id="rId46"/>
+    <p:sldId id="448" r:id="rId47"/>
+    <p:sldId id="433" r:id="rId48"/>
+    <p:sldId id="434" r:id="rId49"/>
+    <p:sldId id="449" r:id="rId50"/>
+    <p:sldId id="262" r:id="rId51"/>
+    <p:sldId id="265" r:id="rId52"/>
+    <p:sldId id="471" r:id="rId53"/>
+    <p:sldId id="461" r:id="rId54"/>
+    <p:sldId id="462" r:id="rId55"/>
+    <p:sldId id="473" r:id="rId56"/>
+    <p:sldId id="474" r:id="rId57"/>
+    <p:sldId id="450" r:id="rId58"/>
+    <p:sldId id="472" r:id="rId59"/>
+    <p:sldId id="475" r:id="rId60"/>
+    <p:sldId id="476" r:id="rId61"/>
+    <p:sldId id="272" r:id="rId62"/>
+    <p:sldId id="452" r:id="rId63"/>
+    <p:sldId id="436" r:id="rId64"/>
+    <p:sldId id="438" r:id="rId65"/>
+    <p:sldId id="451" r:id="rId66"/>
+    <p:sldId id="439" r:id="rId67"/>
+    <p:sldId id="271" r:id="rId68"/>
+    <p:sldId id="440" r:id="rId69"/>
+    <p:sldId id="273" r:id="rId70"/>
+    <p:sldId id="274" r:id="rId71"/>
+    <p:sldId id="441" r:id="rId72"/>
+    <p:sldId id="458" r:id="rId73"/>
+    <p:sldId id="447" r:id="rId74"/>
+    <p:sldId id="453" r:id="rId75"/>
+    <p:sldId id="454" r:id="rId76"/>
+    <p:sldId id="456" r:id="rId77"/>
+    <p:sldId id="459" r:id="rId78"/>
   </p:sldIdLst>
   <p:sldSz cx="12192000" cy="6858000"/>
   <p:notesSz cx="6858000" cy="9144000"/>
@@ -401,7 +401,7 @@
           <a:p>
             <a:fld id="{B6611FD0-859A-4966-8B5A-03D2C0B8D84A}" type="datetimeFigureOut">
               <a:rPr lang="fr-CH" smtClean="0"/>
-              <a:t>17.02.2024</a:t>
+              <a:t>24.02.24</a:t>
             </a:fld>
             <a:endParaRPr lang="fr-CH"/>
           </a:p>
@@ -566,7 +566,7 @@
           <a:p>
             <a:fld id="{407D2470-DC2F-46B4-88FF-38852288AAEC}" type="datetimeFigureOut">
               <a:rPr lang="en-US" smtClean="0"/>
-              <a:t>2/17/2024</a:t>
+              <a:t>2/24/24</a:t>
             </a:fld>
             <a:endParaRPr lang="en-US"/>
           </a:p>
@@ -12144,10 +12144,9 @@
           <a:bodyPr/>
           <a:lstStyle/>
           <a:p>
-            <a:r>
-              <a:rPr lang="fr-CH" dirty="0" err="1"/>
-              <a:t>sddfs</a:t>
-            </a:r>
+            <a:pPr marL="0" indent="0">
+              <a:buNone/>
+            </a:pPr>
             <a:endParaRPr lang="fr-CH" dirty="0"/>
           </a:p>
         </p:txBody>
@@ -24481,14 +24480,11 @@
               <a:t>padding</a:t>
             </a:r>
             <a:r>
-              <a:rPr lang="fr-CH">
+              <a:rPr lang="fr-CH" dirty="0">
                 <a:latin typeface="Aptos" panose="020B0004020202020204" pitchFamily="34" charset="0"/>
               </a:rPr>
               <a:t>…</a:t>
             </a:r>
-            <a:endParaRPr lang="fr-CH" dirty="0">
-              <a:latin typeface="Aptos" panose="020B0004020202020204" pitchFamily="34" charset="0"/>
-            </a:endParaRPr>
           </a:p>
         </p:txBody>
       </p:sp>
@@ -35419,13 +35415,36 @@
 </file>
 
 <file path=customXml/itemProps1.xml><?xml version="1.0" encoding="utf-8"?>
-<ds:datastoreItem xmlns:ds="http://schemas.openxmlformats.org/officeDocument/2006/customXml" ds:itemID="{D8A3575B-111F-4A31-BB11-FBE5FB4B74B5}"/>
+<ds:datastoreItem xmlns:ds="http://schemas.openxmlformats.org/officeDocument/2006/customXml" ds:itemID="{D8A3575B-111F-4A31-BB11-FBE5FB4B74B5}">
+  <ds:schemaRefs>
+    <ds:schemaRef ds:uri="http://schemas.microsoft.com/office/2006/metadata/contentType"/>
+    <ds:schemaRef ds:uri="http://schemas.microsoft.com/office/2006/metadata/properties/metaAttributes"/>
+    <ds:schemaRef ds:uri="http://www.w3.org/2001/XMLSchema"/>
+    <ds:schemaRef ds:uri="http://schemas.microsoft.com/office/2006/metadata/properties"/>
+    <ds:schemaRef ds:uri="268f7112-b9c5-4785-ad0c-ab52eb23d8c5"/>
+    <ds:schemaRef ds:uri="http://schemas.microsoft.com/office/2006/documentManagement/types"/>
+    <ds:schemaRef ds:uri="http://schemas.microsoft.com/office/infopath/2007/PartnerControls"/>
+    <ds:schemaRef ds:uri="http://schemas.openxmlformats.org/package/2006/metadata/core-properties"/>
+    <ds:schemaRef ds:uri="http://purl.org/dc/elements/1.1/"/>
+    <ds:schemaRef ds:uri="http://purl.org/dc/terms/"/>
+    <ds:schemaRef ds:uri="http://schemas.microsoft.com/internal/obd"/>
+  </ds:schemaRefs>
+</ds:datastoreItem>
 </file>
 
 <file path=customXml/itemProps2.xml><?xml version="1.0" encoding="utf-8"?>
-<ds:datastoreItem xmlns:ds="http://schemas.openxmlformats.org/officeDocument/2006/customXml" ds:itemID="{87C33A8E-82C2-45B4-BEBC-076CAE502C98}"/>
+<ds:datastoreItem xmlns:ds="http://schemas.openxmlformats.org/officeDocument/2006/customXml" ds:itemID="{87C33A8E-82C2-45B4-BEBC-076CAE502C98}">
+  <ds:schemaRefs>
+    <ds:schemaRef ds:uri="http://schemas.microsoft.com/sharepoint/v3/contenttype/forms"/>
+  </ds:schemaRefs>
+</ds:datastoreItem>
 </file>
 
 <file path=customXml/itemProps3.xml><?xml version="1.0" encoding="utf-8"?>
-<ds:datastoreItem xmlns:ds="http://schemas.openxmlformats.org/officeDocument/2006/customXml" ds:itemID="{A62A5B06-4E84-4493-9DB8-C534F25FB036}"/>
+<ds:datastoreItem xmlns:ds="http://schemas.openxmlformats.org/officeDocument/2006/customXml" ds:itemID="{A62A5B06-4E84-4493-9DB8-C534F25FB036}">
+  <ds:schemaRefs>
+    <ds:schemaRef ds:uri="http://schemas.microsoft.com/office/2006/metadata/properties"/>
+    <ds:schemaRef ds:uri="http://schemas.microsoft.com/office/infopath/2007/PartnerControls"/>
+  </ds:schemaRefs>
+</ds:datastoreItem>
 </file>